--- a/Agenda Materials/onedm-agenda-2022-11-28.pptx
+++ b/Agenda Materials/onedm-agenda-2022-11-28.pptx
@@ -6,7 +6,7 @@
     <p:sldMasterId id="2147483672" r:id="rId2"/>
   </p:sldMasterIdLst>
   <p:notesMasterIdLst>
-    <p:notesMasterId r:id="rId9"/>
+    <p:notesMasterId r:id="rId10"/>
   </p:notesMasterIdLst>
   <p:sldIdLst>
     <p:sldId id="256" r:id="rId3"/>
@@ -14,7 +14,8 @@
     <p:sldId id="356" r:id="rId5"/>
     <p:sldId id="357" r:id="rId6"/>
     <p:sldId id="358" r:id="rId7"/>
-    <p:sldId id="355" r:id="rId8"/>
+    <p:sldId id="359" r:id="rId8"/>
+    <p:sldId id="355" r:id="rId9"/>
   </p:sldIdLst>
   <p:sldSz cx="9144000" cy="6858000" type="letter"/>
   <p:notesSz cx="6858000" cy="9144000"/>
@@ -203,7 +204,7 @@
           <a:p>
             <a:fld id="{BA52C132-66A2-E345-8EBB-CCDD2AA78407}" type="datetimeFigureOut">
               <a:rPr lang="en-US" smtClean="0"/>
-              <a:t>10/31/22</a:t>
+              <a:t>11/28/22</a:t>
             </a:fld>
             <a:endParaRPr lang="en-US"/>
           </a:p>
@@ -601,7 +602,7 @@
           <a:p>
             <a:fld id="{D057EDBF-1783-6543-A668-FCF30E10D4FA}" type="datetimeFigureOut">
               <a:rPr lang="en-US" smtClean="0"/>
-              <a:t>10/31/22</a:t>
+              <a:t>11/28/22</a:t>
             </a:fld>
             <a:endParaRPr lang="en-US" dirty="0"/>
           </a:p>
@@ -1515,7 +1516,7 @@
           <a:p>
             <a:fld id="{D057EDBF-1783-6543-A668-FCF30E10D4FA}" type="datetimeFigureOut">
               <a:rPr lang="en-US" smtClean="0"/>
-              <a:t>10/31/22</a:t>
+              <a:t>11/28/22</a:t>
             </a:fld>
             <a:endParaRPr lang="en-US"/>
           </a:p>
@@ -1690,7 +1691,7 @@
           <a:p>
             <a:fld id="{D057EDBF-1783-6543-A668-FCF30E10D4FA}" type="datetimeFigureOut">
               <a:rPr lang="en-US" smtClean="0"/>
-              <a:t>10/31/22</a:t>
+              <a:t>11/28/22</a:t>
             </a:fld>
             <a:endParaRPr lang="en-US"/>
           </a:p>
@@ -1893,7 +1894,7 @@
           <a:p>
             <a:fld id="{908F779F-8F42-4393-AF9F-89DFA4BAC582}" type="datetimeFigureOut">
               <a:rPr lang="en-US" smtClean="0"/>
-              <a:t>10/31/22</a:t>
+              <a:t>11/28/22</a:t>
             </a:fld>
             <a:endParaRPr lang="en-US"/>
           </a:p>
@@ -2091,7 +2092,7 @@
           <a:p>
             <a:fld id="{908F779F-8F42-4393-AF9F-89DFA4BAC582}" type="datetimeFigureOut">
               <a:rPr lang="en-US" smtClean="0"/>
-              <a:t>10/31/22</a:t>
+              <a:t>11/28/22</a:t>
             </a:fld>
             <a:endParaRPr lang="en-US"/>
           </a:p>
@@ -2366,7 +2367,7 @@
           <a:p>
             <a:fld id="{908F779F-8F42-4393-AF9F-89DFA4BAC582}" type="datetimeFigureOut">
               <a:rPr lang="en-US" smtClean="0"/>
-              <a:t>10/31/22</a:t>
+              <a:t>11/28/22</a:t>
             </a:fld>
             <a:endParaRPr lang="en-US"/>
           </a:p>
@@ -2631,7 +2632,7 @@
           <a:p>
             <a:fld id="{908F779F-8F42-4393-AF9F-89DFA4BAC582}" type="datetimeFigureOut">
               <a:rPr lang="en-US" smtClean="0"/>
-              <a:t>10/31/22</a:t>
+              <a:t>11/28/22</a:t>
             </a:fld>
             <a:endParaRPr lang="en-US"/>
           </a:p>
@@ -3043,7 +3044,7 @@
           <a:p>
             <a:fld id="{908F779F-8F42-4393-AF9F-89DFA4BAC582}" type="datetimeFigureOut">
               <a:rPr lang="en-US" smtClean="0"/>
-              <a:t>10/31/22</a:t>
+              <a:t>11/28/22</a:t>
             </a:fld>
             <a:endParaRPr lang="en-US"/>
           </a:p>
@@ -3184,7 +3185,7 @@
           <a:p>
             <a:fld id="{908F779F-8F42-4393-AF9F-89DFA4BAC582}" type="datetimeFigureOut">
               <a:rPr lang="en-US" smtClean="0"/>
-              <a:t>10/31/22</a:t>
+              <a:t>11/28/22</a:t>
             </a:fld>
             <a:endParaRPr lang="en-US"/>
           </a:p>
@@ -3297,7 +3298,7 @@
           <a:p>
             <a:fld id="{908F779F-8F42-4393-AF9F-89DFA4BAC582}" type="datetimeFigureOut">
               <a:rPr lang="en-US" smtClean="0"/>
-              <a:t>10/31/22</a:t>
+              <a:t>11/28/22</a:t>
             </a:fld>
             <a:endParaRPr lang="en-US"/>
           </a:p>
@@ -3608,7 +3609,7 @@
           <a:p>
             <a:fld id="{908F779F-8F42-4393-AF9F-89DFA4BAC582}" type="datetimeFigureOut">
               <a:rPr lang="en-US" smtClean="0"/>
-              <a:t>10/31/22</a:t>
+              <a:t>11/28/22</a:t>
             </a:fld>
             <a:endParaRPr lang="en-US"/>
           </a:p>
@@ -3798,7 +3799,7 @@
           <a:p>
             <a:fld id="{D057EDBF-1783-6543-A668-FCF30E10D4FA}" type="datetimeFigureOut">
               <a:rPr lang="en-US" smtClean="0"/>
-              <a:t>10/31/22</a:t>
+              <a:t>11/28/22</a:t>
             </a:fld>
             <a:endParaRPr lang="en-US" dirty="0"/>
           </a:p>
@@ -4102,7 +4103,7 @@
           <a:p>
             <a:fld id="{908F779F-8F42-4393-AF9F-89DFA4BAC582}" type="datetimeFigureOut">
               <a:rPr lang="en-US" smtClean="0"/>
-              <a:t>10/31/22</a:t>
+              <a:t>11/28/22</a:t>
             </a:fld>
             <a:endParaRPr lang="en-US"/>
           </a:p>
@@ -4300,7 +4301,7 @@
           <a:p>
             <a:fld id="{908F779F-8F42-4393-AF9F-89DFA4BAC582}" type="datetimeFigureOut">
               <a:rPr lang="en-US" smtClean="0"/>
-              <a:t>10/31/22</a:t>
+              <a:t>11/28/22</a:t>
             </a:fld>
             <a:endParaRPr lang="en-US"/>
           </a:p>
@@ -4508,7 +4509,7 @@
           <a:p>
             <a:fld id="{908F779F-8F42-4393-AF9F-89DFA4BAC582}" type="datetimeFigureOut">
               <a:rPr lang="en-US" smtClean="0"/>
-              <a:t>10/31/22</a:t>
+              <a:t>11/28/22</a:t>
             </a:fld>
             <a:endParaRPr lang="en-US"/>
           </a:p>
@@ -4764,7 +4765,7 @@
           <a:p>
             <a:fld id="{D057EDBF-1783-6543-A668-FCF30E10D4FA}" type="datetimeFigureOut">
               <a:rPr lang="en-US" smtClean="0"/>
-              <a:t>10/31/22</a:t>
+              <a:t>11/28/22</a:t>
             </a:fld>
             <a:endParaRPr lang="en-US"/>
           </a:p>
@@ -4991,7 +4992,7 @@
           <a:p>
             <a:fld id="{D057EDBF-1783-6543-A668-FCF30E10D4FA}" type="datetimeFigureOut">
               <a:rPr lang="en-US" smtClean="0"/>
-              <a:t>10/31/22</a:t>
+              <a:t>11/28/22</a:t>
             </a:fld>
             <a:endParaRPr lang="en-US"/>
           </a:p>
@@ -5353,7 +5354,7 @@
           <a:p>
             <a:fld id="{D057EDBF-1783-6543-A668-FCF30E10D4FA}" type="datetimeFigureOut">
               <a:rPr lang="en-US" smtClean="0"/>
-              <a:t>10/31/22</a:t>
+              <a:t>11/28/22</a:t>
             </a:fld>
             <a:endParaRPr lang="en-US"/>
           </a:p>
@@ -5466,7 +5467,7 @@
           <a:p>
             <a:fld id="{D057EDBF-1783-6543-A668-FCF30E10D4FA}" type="datetimeFigureOut">
               <a:rPr lang="en-US" smtClean="0"/>
-              <a:t>10/31/22</a:t>
+              <a:t>11/28/22</a:t>
             </a:fld>
             <a:endParaRPr lang="en-US"/>
           </a:p>
@@ -5556,7 +5557,7 @@
           <a:p>
             <a:fld id="{D057EDBF-1783-6543-A668-FCF30E10D4FA}" type="datetimeFigureOut">
               <a:rPr lang="en-US" smtClean="0"/>
-              <a:t>10/31/22</a:t>
+              <a:t>11/28/22</a:t>
             </a:fld>
             <a:endParaRPr lang="en-US"/>
           </a:p>
@@ -5828,7 +5829,7 @@
           <a:p>
             <a:fld id="{D057EDBF-1783-6543-A668-FCF30E10D4FA}" type="datetimeFigureOut">
               <a:rPr lang="en-US" smtClean="0"/>
-              <a:t>10/31/22</a:t>
+              <a:t>11/28/22</a:t>
             </a:fld>
             <a:endParaRPr lang="en-US"/>
           </a:p>
@@ -6080,7 +6081,7 @@
           <a:p>
             <a:fld id="{D057EDBF-1783-6543-A668-FCF30E10D4FA}" type="datetimeFigureOut">
               <a:rPr lang="en-US" smtClean="0"/>
-              <a:t>10/31/22</a:t>
+              <a:t>11/28/22</a:t>
             </a:fld>
             <a:endParaRPr lang="en-US"/>
           </a:p>
@@ -6291,7 +6292,7 @@
           <a:p>
             <a:fld id="{D057EDBF-1783-6543-A668-FCF30E10D4FA}" type="datetimeFigureOut">
               <a:rPr lang="en-US" smtClean="0"/>
-              <a:t>10/31/22</a:t>
+              <a:t>11/28/22</a:t>
             </a:fld>
             <a:endParaRPr lang="en-US"/>
           </a:p>
@@ -6847,7 +6848,7 @@
           <a:p>
             <a:fld id="{908F779F-8F42-4393-AF9F-89DFA4BAC582}" type="datetimeFigureOut">
               <a:rPr lang="en-US" smtClean="0"/>
-              <a:t>10/31/22</a:t>
+              <a:t>11/28/22</a:t>
             </a:fld>
             <a:endParaRPr lang="en-US"/>
           </a:p>
@@ -7450,7 +7451,14 @@
             <a:pPr lvl="1"/>
             <a:r>
               <a:rPr lang="en-GB" sz="2900" dirty="0"/>
-              <a:t>ASDF interim ?</a:t>
+              <a:t>ASDF interim ? Week 2 in 2023 proposed</a:t>
+            </a:r>
+          </a:p>
+          <a:p>
+            <a:pPr lvl="1"/>
+            <a:r>
+              <a:rPr lang="en-GB" sz="2900" dirty="0"/>
+              <a:t>IAB energy impact workshop (IoT sub-topic) starting Dec 5 week – conflict with RG</a:t>
             </a:r>
           </a:p>
           <a:p>
@@ -7462,7 +7470,19 @@
           <a:p>
             <a:r>
               <a:rPr lang="en-GB" sz="3300" dirty="0"/>
+              <a:t>Next meeting 19th</a:t>
+            </a:r>
+          </a:p>
+          <a:p>
+            <a:r>
+              <a:rPr lang="en-GB" sz="3300" dirty="0"/>
               <a:t>AOB</a:t>
+            </a:r>
+          </a:p>
+          <a:p>
+            <a:r>
+              <a:rPr lang="en-GB" sz="3300" dirty="0"/>
+              <a:t>Bluetooth progress @Ericsson</a:t>
             </a:r>
             <a:endParaRPr lang="en-GB" dirty="0"/>
           </a:p>
@@ -7514,7 +7534,12 @@
             <p:ph type="title"/>
           </p:nvPr>
         </p:nvSpPr>
-        <p:spPr/>
+        <p:spPr>
+          <a:xfrm>
+            <a:off x="1232641" y="228493"/>
+            <a:ext cx="7293219" cy="1006474"/>
+          </a:xfrm>
+        </p:spPr>
         <p:txBody>
           <a:bodyPr/>
           <a:lstStyle/>
@@ -7544,7 +7569,7 @@
         </p:nvSpPr>
         <p:spPr>
           <a:xfrm>
-            <a:off x="515007" y="1570387"/>
+            <a:off x="546538" y="1371601"/>
             <a:ext cx="8166538" cy="4585555"/>
           </a:xfrm>
         </p:spPr>
@@ -7609,6 +7634,12 @@
             <a:r>
               <a:rPr lang="en-US" dirty="0"/>
               <a:t> Link-Format, OCF, LWM2M, etc. to construct applications</a:t>
+            </a:r>
+          </a:p>
+          <a:p>
+            <a:r>
+              <a:rPr lang="en-US" dirty="0"/>
+              <a:t>Add links to the Wiki pointing to examples, etc.</a:t>
             </a:r>
           </a:p>
         </p:txBody>
@@ -7695,8 +7726,8 @@
         </p:nvSpPr>
         <p:spPr>
           <a:xfrm>
-            <a:off x="628649" y="1517836"/>
-            <a:ext cx="7886700" cy="4585555"/>
+            <a:off x="618139" y="1287519"/>
+            <a:ext cx="7886700" cy="4882964"/>
           </a:xfrm>
         </p:spPr>
         <p:txBody>
@@ -7749,6 +7780,12 @@
             <a:r>
               <a:rPr lang="en-US" dirty="0"/>
               <a:t>What are the remaining issues?</a:t>
+            </a:r>
+          </a:p>
+          <a:p>
+            <a:r>
+              <a:rPr lang="en-US" dirty="0"/>
+              <a:t>Translation and interworking test cases</a:t>
             </a:r>
           </a:p>
         </p:txBody>
@@ -7801,7 +7838,7 @@
         </p:nvSpPr>
         <p:spPr>
           <a:xfrm>
-            <a:off x="1316723" y="239003"/>
+            <a:off x="1316723" y="91858"/>
             <a:ext cx="7293219" cy="1006474"/>
           </a:xfrm>
         </p:spPr>
@@ -7834,7 +7871,7 @@
         </p:nvSpPr>
         <p:spPr>
           <a:xfrm>
-            <a:off x="628649" y="1245477"/>
+            <a:off x="649670" y="898635"/>
             <a:ext cx="7886700" cy="4585555"/>
           </a:xfrm>
         </p:spPr>
@@ -7847,6 +7884,41 @@
                 <a:hlinkClick r:id="rId2"/>
               </a:rPr>
               <a:t>https://github.com/t2trg/wishi/wiki/NOTE:-Link-information-for-data-models</a:t>
+            </a:r>
+            <a:endParaRPr lang="en-US" sz="2000" dirty="0"/>
+          </a:p>
+          <a:p>
+            <a:r>
+              <a:rPr lang="en-US" sz="2000" dirty="0"/>
+              <a:t>https://</a:t>
+            </a:r>
+            <a:r>
+              <a:rPr lang="en-US" sz="2000" dirty="0" err="1"/>
+              <a:t>cabo.github.io</a:t>
+            </a:r>
+            <a:r>
+              <a:rPr lang="en-US" sz="2000" dirty="0"/>
+              <a:t>/</a:t>
+            </a:r>
+            <a:r>
+              <a:rPr lang="en-US" sz="2000" dirty="0" err="1"/>
+              <a:t>sdftype</a:t>
+            </a:r>
+            <a:r>
+              <a:rPr lang="en-US" sz="2000" dirty="0"/>
+              <a:t>-link/draft-</a:t>
+            </a:r>
+            <a:r>
+              <a:rPr lang="en-US" sz="2000" dirty="0" err="1"/>
+              <a:t>bormann</a:t>
+            </a:r>
+            <a:r>
+              <a:rPr lang="en-US" sz="2000" dirty="0"/>
+              <a:t>-</a:t>
+            </a:r>
+            <a:r>
+              <a:rPr lang="en-US" sz="2000" dirty="0" err="1"/>
+              <a:t>asdf-sdftype-link.html</a:t>
             </a:r>
             <a:endParaRPr lang="en-US" sz="2000" dirty="0"/>
           </a:p>
@@ -7906,6 +7978,125 @@
 </file>
 
 <file path=ppt/slides/slide6.xml><?xml version="1.0" encoding="utf-8"?>
+<p:sld xmlns:a="http://schemas.openxmlformats.org/drawingml/2006/main" xmlns:r="http://schemas.openxmlformats.org/officeDocument/2006/relationships" xmlns:p="http://schemas.openxmlformats.org/presentationml/2006/main">
+  <p:cSld>
+    <p:spTree>
+      <p:nvGrpSpPr>
+        <p:cNvPr id="1" name=""/>
+        <p:cNvGrpSpPr/>
+        <p:nvPr/>
+      </p:nvGrpSpPr>
+      <p:grpSpPr>
+        <a:xfrm>
+          <a:off x="0" y="0"/>
+          <a:ext cx="0" cy="0"/>
+          <a:chOff x="0" y="0"/>
+          <a:chExt cx="0" cy="0"/>
+        </a:xfrm>
+      </p:grpSpPr>
+      <p:sp>
+        <p:nvSpPr>
+          <p:cNvPr id="2" name="Title 1">
+            <a:extLst>
+              <a:ext uri="{FF2B5EF4-FFF2-40B4-BE49-F238E27FC236}">
+                <a16:creationId xmlns:a16="http://schemas.microsoft.com/office/drawing/2014/main" id="{D3E790F6-D4A3-2647-8FB7-6D5703627AA0}"/>
+              </a:ext>
+            </a:extLst>
+          </p:cNvPr>
+          <p:cNvSpPr>
+            <a:spLocks noGrp="1"/>
+          </p:cNvSpPr>
+          <p:nvPr>
+            <p:ph type="title"/>
+          </p:nvPr>
+        </p:nvSpPr>
+        <p:spPr/>
+        <p:txBody>
+          <a:bodyPr/>
+          <a:lstStyle/>
+          <a:p>
+            <a:endParaRPr lang="en-US" dirty="0"/>
+          </a:p>
+        </p:txBody>
+      </p:sp>
+      <p:sp>
+        <p:nvSpPr>
+          <p:cNvPr id="3" name="Content Placeholder 2">
+            <a:extLst>
+              <a:ext uri="{FF2B5EF4-FFF2-40B4-BE49-F238E27FC236}">
+                <a16:creationId xmlns:a16="http://schemas.microsoft.com/office/drawing/2014/main" id="{1A1B5642-D71C-5348-AB0E-308988E063F2}"/>
+              </a:ext>
+            </a:extLst>
+          </p:cNvPr>
+          <p:cNvSpPr>
+            <a:spLocks noGrp="1"/>
+          </p:cNvSpPr>
+          <p:nvPr>
+            <p:ph idx="1"/>
+          </p:nvPr>
+        </p:nvSpPr>
+        <p:spPr/>
+        <p:txBody>
+          <a:bodyPr/>
+          <a:lstStyle/>
+          <a:p>
+            <a:r>
+              <a:rPr lang="en-US" dirty="0"/>
+              <a:t>Examples</a:t>
+            </a:r>
+          </a:p>
+          <a:p>
+            <a:r>
+              <a:rPr lang="en-US" dirty="0"/>
+              <a:t>Drive on ASDF list</a:t>
+            </a:r>
+          </a:p>
+          <a:p>
+            <a:r>
+              <a:rPr lang="en-US" dirty="0"/>
+              <a:t>URI scheme + data model</a:t>
+            </a:r>
+          </a:p>
+          <a:p>
+            <a:r>
+              <a:rPr lang="en-US" dirty="0"/>
+              <a:t>RFC8288 based model</a:t>
+            </a:r>
+          </a:p>
+          <a:p>
+            <a:r>
+              <a:rPr lang="en-US" dirty="0" err="1"/>
+              <a:t>SdfRelation</a:t>
+            </a:r>
+            <a:r>
+              <a:rPr lang="en-US" dirty="0"/>
+              <a:t> vs. </a:t>
+            </a:r>
+            <a:r>
+              <a:rPr lang="en-US" dirty="0" err="1"/>
+              <a:t>sdfLink</a:t>
+            </a:r>
+            <a:endParaRPr lang="en-US" dirty="0"/>
+          </a:p>
+          <a:p>
+            <a:endParaRPr lang="en-US" dirty="0"/>
+          </a:p>
+        </p:txBody>
+      </p:sp>
+    </p:spTree>
+    <p:extLst>
+      <p:ext uri="{BB962C8B-B14F-4D97-AF65-F5344CB8AC3E}">
+        <p14:creationId xmlns:p14="http://schemas.microsoft.com/office/powerpoint/2010/main" val="3349457349"/>
+      </p:ext>
+    </p:extLst>
+  </p:cSld>
+  <p:clrMapOvr>
+    <a:masterClrMapping/>
+  </p:clrMapOvr>
+</p:sld>
+</file>
+
+<file path=ppt/slides/slide7.xml><?xml version="1.0" encoding="utf-8"?>
 <p:sld xmlns:a="http://schemas.openxmlformats.org/drawingml/2006/main" xmlns:r="http://schemas.openxmlformats.org/officeDocument/2006/relationships" xmlns:p="http://schemas.openxmlformats.org/presentationml/2006/main">
   <p:cSld>
     <p:spTree>
